--- a/Projeto2_93249.pptx
+++ b/Projeto2_93249.pptx
@@ -15890,7 +15890,15 @@
             </a:r>
             <a:r>
               <a:rPr lang="pt-PT" dirty="0"/>
-              <a:t>;</a:t>
+              <a:t>(S </a:t>
+            </a:r>
+            <a:r>
+              <a:rPr lang="pt-PT" dirty="0" err="1"/>
+              <a:t>key</a:t>
+            </a:r>
+            <a:r>
+              <a:rPr lang="pt-PT" u="sng" dirty="0"/>
+              <a:t>);</a:t>
             </a:r>
           </a:p>
           <a:p>
@@ -15933,7 +15941,15 @@
             </a:r>
             <a:r>
               <a:rPr lang="pt-PT" dirty="0"/>
-              <a:t>;</a:t>
+              <a:t>(W </a:t>
+            </a:r>
+            <a:r>
+              <a:rPr lang="pt-PT" dirty="0" err="1"/>
+              <a:t>key</a:t>
+            </a:r>
+            <a:r>
+              <a:rPr lang="pt-PT" dirty="0"/>
+              <a:t>);</a:t>
             </a:r>
           </a:p>
           <a:p>
@@ -15954,7 +15970,82 @@
               <a:rPr lang="pt-PT" dirty="0" err="1"/>
               <a:t>car</a:t>
             </a:r>
-            <a:endParaRPr lang="pt-PT" dirty="0"/>
+            <a:r>
+              <a:rPr lang="pt-PT" dirty="0"/>
+              <a:t> (</a:t>
+            </a:r>
+            <a:r>
+              <a:rPr lang="pt-PT" dirty="0" err="1"/>
+              <a:t>Arrow</a:t>
+            </a:r>
+            <a:r>
+              <a:rPr lang="pt-PT" dirty="0"/>
+              <a:t> </a:t>
+            </a:r>
+            <a:r>
+              <a:rPr lang="pt-PT" dirty="0" err="1"/>
+              <a:t>keys</a:t>
+            </a:r>
+            <a:r>
+              <a:rPr lang="pt-PT" dirty="0"/>
+              <a:t>) </a:t>
+            </a:r>
+            <a:r>
+              <a:rPr lang="pt-PT" dirty="0" err="1"/>
+              <a:t>and</a:t>
+            </a:r>
+            <a:r>
+              <a:rPr lang="pt-PT" dirty="0"/>
+              <a:t> </a:t>
+            </a:r>
+            <a:r>
+              <a:rPr lang="pt-PT" dirty="0" err="1"/>
+              <a:t>increase</a:t>
+            </a:r>
+            <a:r>
+              <a:rPr lang="pt-PT" dirty="0"/>
+              <a:t>/</a:t>
+            </a:r>
+            <a:r>
+              <a:rPr lang="pt-PT" dirty="0" err="1"/>
+              <a:t>decrease</a:t>
+            </a:r>
+            <a:r>
+              <a:rPr lang="pt-PT" dirty="0"/>
+              <a:t> </a:t>
+            </a:r>
+            <a:r>
+              <a:rPr lang="pt-PT" dirty="0" err="1"/>
+              <a:t>its</a:t>
+            </a:r>
+            <a:r>
+              <a:rPr lang="pt-PT" dirty="0"/>
+              <a:t> speed (A </a:t>
+            </a:r>
+            <a:r>
+              <a:rPr lang="pt-PT" dirty="0" err="1"/>
+              <a:t>and</a:t>
+            </a:r>
+            <a:r>
+              <a:rPr lang="pt-PT" dirty="0"/>
+              <a:t> D </a:t>
+            </a:r>
+            <a:r>
+              <a:rPr lang="pt-PT" dirty="0" err="1"/>
+              <a:t>keys</a:t>
+            </a:r>
+            <a:r>
+              <a:rPr lang="pt-PT" dirty="0"/>
+              <a:t> </a:t>
+            </a:r>
+            <a:r>
+              <a:rPr lang="pt-PT" dirty="0" err="1"/>
+              <a:t>respectively</a:t>
+            </a:r>
+            <a:r>
+              <a:rPr lang="pt-PT" dirty="0"/>
+              <a:t>)</a:t>
+            </a:r>
           </a:p>
         </p:txBody>
       </p:sp>
